--- a/src/NDocUtil.Doc/Presentation.pptx
+++ b/src/NDocUtil.Doc/Presentation.pptx
@@ -529,7 +529,7 @@
           <a:p>
             <a:fld id="{E252285B-6668-4B0C-B3B4-30211AF6A92B}" type="slidenum">
               <a:rPr lang="en-US"/>
-              <a:t>‹#›</a:t>
+              <a:t>1</a:t>
             </a:fld>
             <a:endParaRPr lang="en-US"/>
           </a:p>
@@ -3409,6 +3409,130 @@
           <a:chExt cx="0" cy="0"/>
         </a:xfrm>
       </p:grpSpPr>
+      <p:pic>
+        <p:nvPicPr>
+          <p:cNvPr id="2" name="Picture 1"/>
+          <p:cNvPicPr>
+            <a:picLocks noChangeAspect="1"/>
+          </p:cNvPicPr>
+          <p:nvPr/>
+        </p:nvPicPr>
+        <p:blipFill>
+          <a:blip r:embed="rId3" r:link="rId4">
+            <a:extLst>
+              <a:ext uri="{28A0092B-C50C-407E-A947-70E740481C1C}">
+                <a14:useLocalDpi xmlns:a14="http://schemas.microsoft.com/office/drawing/2010/main" val="0"/>
+              </a:ext>
+            </a:extLst>
+          </a:blip>
+          <a:stretch>
+            <a:fillRect/>
+          </a:stretch>
+        </p:blipFill>
+        <p:spPr>
+          <a:xfrm>
+            <a:off x="692031" y="1364105"/>
+            <a:ext cx="10807938" cy="1963711"/>
+          </a:xfrm>
+          <a:prstGeom prst="rect">
+            <a:avLst/>
+          </a:prstGeom>
+        </p:spPr>
+      </p:pic>
+      <p:sp>
+        <p:nvSpPr>
+          <p:cNvPr id="5" name="Title 4"/>
+          <p:cNvSpPr>
+            <a:spLocks noGrp="1"/>
+          </p:cNvSpPr>
+          <p:nvPr>
+            <p:ph type="title"/>
+          </p:nvPr>
+        </p:nvSpPr>
+        <p:spPr/>
+        <p:txBody>
+          <a:bodyPr/>
+          <a:lstStyle/>
+          <a:p>
+            <a:pPr algn="ctr"/>
+            <a:r>
+              <a:rPr lang="en-US" dirty="0" err="1" smtClean="0"/>
+              <a:t>NDocUtil</a:t>
+            </a:r>
+            <a:endParaRPr lang="en-US" dirty="0"/>
+          </a:p>
+        </p:txBody>
+      </p:sp>
+      <p:sp>
+        <p:nvSpPr>
+          <p:cNvPr id="6" name="Content Placeholder 5"/>
+          <p:cNvSpPr>
+            <a:spLocks noGrp="1"/>
+          </p:cNvSpPr>
+          <p:nvPr>
+            <p:ph idx="1"/>
+          </p:nvPr>
+        </p:nvSpPr>
+        <p:spPr>
+          <a:xfrm>
+            <a:off x="838200" y="3327816"/>
+            <a:ext cx="10515600" cy="2849147"/>
+          </a:xfrm>
+        </p:spPr>
+        <p:txBody>
+          <a:bodyPr/>
+          <a:lstStyle/>
+          <a:p>
+            <a:r>
+              <a:rPr lang="en-US" dirty="0" smtClean="0"/>
+              <a:t>Snippet exported as EMF File </a:t>
+            </a:r>
+          </a:p>
+          <a:p>
+            <a:pPr marL="0" indent="0">
+              <a:buNone/>
+            </a:pPr>
+            <a:r>
+              <a:rPr lang="en-US" dirty="0" smtClean="0">
+                <a:sym typeface="Wingdings" panose="05000000000000000000" pitchFamily="2" charset="2"/>
+              </a:rPr>
+              <a:t> Lossless!</a:t>
+            </a:r>
+          </a:p>
+          <a:p>
+            <a:r>
+              <a:rPr lang="en-US" dirty="0" smtClean="0">
+                <a:sym typeface="Wingdings" panose="05000000000000000000" pitchFamily="2" charset="2"/>
+              </a:rPr>
+              <a:t>Snippet inserted into </a:t>
+            </a:r>
+            <a:r>
+              <a:rPr lang="en-US" dirty="0" err="1" smtClean="0">
+                <a:sym typeface="Wingdings" panose="05000000000000000000" pitchFamily="2" charset="2"/>
+              </a:rPr>
+              <a:t>Powerpoint</a:t>
+            </a:r>
+            <a:r>
+              <a:rPr lang="en-US" dirty="0" smtClean="0">
+                <a:sym typeface="Wingdings" panose="05000000000000000000" pitchFamily="2" charset="2"/>
+              </a:rPr>
+              <a:t> with option “Link to file” </a:t>
+            </a:r>
+          </a:p>
+          <a:p>
+            <a:pPr marL="0" indent="0">
+              <a:buNone/>
+            </a:pPr>
+            <a:r>
+              <a:rPr lang="en-US" smtClean="0">
+                <a:sym typeface="Wingdings" panose="05000000000000000000" pitchFamily="2" charset="2"/>
+              </a:rPr>
+              <a:t> Always Up-To-Date!</a:t>
+            </a:r>
+            <a:endParaRPr lang="en-US" dirty="0"/>
+          </a:p>
+        </p:txBody>
+      </p:sp>
     </p:spTree>
     <p:extLst>
       <p:ext uri="{BB962C8B-B14F-4D97-AF65-F5344CB8AC3E}">
@@ -3419,6 +3543,13 @@
   <p:clrMapOvr>
     <a:masterClrMapping/>
   </p:clrMapOvr>
+  <p:timing>
+    <p:tnLst>
+      <p:par>
+        <p:cTn id="1" dur="indefinite" restart="never" nodeType="tmRoot"/>
+      </p:par>
+    </p:tnLst>
+  </p:timing>
 </p:sld>
 </file>
 
